--- a/Báo-cáo-TTTN.pptx
+++ b/Báo-cáo-TTTN.pptx
@@ -17496,6 +17496,53 @@
           </a:extLst>
         </p:spPr>
       </p:pic>
+      <p:pic>
+        <p:nvPicPr>
+          <p:cNvPr id="5" name="Picture 2" descr="Các yếu tố gây mất tập trung khi lái xe | Lái xe an toàn | UBATGT">
+            <a:extLst>
+              <a:ext uri="{FF2B5EF4-FFF2-40B4-BE49-F238E27FC236}">
+                <a16:creationId xmlns:a16="http://schemas.microsoft.com/office/drawing/2014/main" id="{49122B06-462C-40F4-92E2-10BCD0BDBCBE}"/>
+              </a:ext>
+            </a:extLst>
+          </p:cNvPr>
+          <p:cNvPicPr>
+            <a:picLocks noChangeAspect="1" noChangeArrowheads="1"/>
+          </p:cNvPicPr>
+          <p:nvPr/>
+        </p:nvPicPr>
+        <p:blipFill>
+          <a:blip r:embed="rId2">
+            <a:extLst>
+              <a:ext uri="{28A0092B-C50C-407E-A947-70E740481C1C}">
+                <a14:useLocalDpi xmlns:a14="http://schemas.microsoft.com/office/drawing/2010/main" val="0"/>
+              </a:ext>
+            </a:extLst>
+          </a:blip>
+          <a:srcRect/>
+          <a:stretch>
+            <a:fillRect/>
+          </a:stretch>
+        </p:blipFill>
+        <p:spPr bwMode="auto">
+          <a:xfrm>
+            <a:off x="8776878" y="3540670"/>
+            <a:ext cx="2784735" cy="1928687"/>
+          </a:xfrm>
+          <a:prstGeom prst="rect">
+            <a:avLst/>
+          </a:prstGeom>
+          <a:noFill/>
+          <a:extLst>
+            <a:ext uri="{909E8E84-426E-40DD-AFC4-6F175D3DCCD1}">
+              <a14:hiddenFill xmlns:a14="http://schemas.microsoft.com/office/drawing/2010/main">
+                <a:solidFill>
+                  <a:srgbClr val="FFFFFF"/>
+                </a:solidFill>
+              </a14:hiddenFill>
+            </a:ext>
+          </a:extLst>
+        </p:spPr>
+      </p:pic>
     </p:spTree>
     <p:extLst>
       <p:ext uri="{BB962C8B-B14F-4D97-AF65-F5344CB8AC3E}">
@@ -18215,14 +18262,14 @@
               <a:buChar char="Ø"/>
             </a:pPr>
             <a:r>
-              <a:rPr lang="en-US" dirty="0" err="1" smtClean="0">
+              <a:rPr lang="en-US" dirty="0" err="1">
                 <a:latin typeface="Times New Roman" panose="02020603050405020304" pitchFamily="18" charset="0"/>
                 <a:cs typeface="Times New Roman" panose="02020603050405020304" pitchFamily="18" charset="0"/>
               </a:rPr>
               <a:t>Ngủ</a:t>
             </a:r>
             <a:r>
-              <a:rPr lang="en-US" dirty="0" smtClean="0">
+              <a:rPr lang="en-US" dirty="0">
                 <a:latin typeface="Times New Roman" panose="02020603050405020304" pitchFamily="18" charset="0"/>
                 <a:cs typeface="Times New Roman" panose="02020603050405020304" pitchFamily="18" charset="0"/>
               </a:rPr>
@@ -18319,63 +18366,63 @@
               <a:t> </a:t>
             </a:r>
             <a:r>
-              <a:rPr lang="en-US" dirty="0" err="1" smtClean="0">
+              <a:rPr lang="en-US" dirty="0" err="1">
                 <a:latin typeface="Times New Roman" panose="02020603050405020304" pitchFamily="18" charset="0"/>
                 <a:cs typeface="Times New Roman" panose="02020603050405020304" pitchFamily="18" charset="0"/>
               </a:rPr>
               <a:t>uống</a:t>
             </a:r>
             <a:r>
-              <a:rPr lang="en-US" dirty="0" smtClean="0">
-                <a:latin typeface="Times New Roman" panose="02020603050405020304" pitchFamily="18" charset="0"/>
-                <a:cs typeface="Times New Roman" panose="02020603050405020304" pitchFamily="18" charset="0"/>
-              </a:rPr>
-              <a:t> </a:t>
-            </a:r>
-            <a:r>
-              <a:rPr lang="en-US" dirty="0" err="1" smtClean="0">
+              <a:rPr lang="en-US" dirty="0">
+                <a:latin typeface="Times New Roman" panose="02020603050405020304" pitchFamily="18" charset="0"/>
+                <a:cs typeface="Times New Roman" panose="02020603050405020304" pitchFamily="18" charset="0"/>
+              </a:rPr>
+              <a:t> </a:t>
+            </a:r>
+            <a:r>
+              <a:rPr lang="en-US" dirty="0" err="1">
                 <a:latin typeface="Times New Roman" panose="02020603050405020304" pitchFamily="18" charset="0"/>
                 <a:cs typeface="Times New Roman" panose="02020603050405020304" pitchFamily="18" charset="0"/>
               </a:rPr>
               <a:t>khi</a:t>
             </a:r>
             <a:r>
-              <a:rPr lang="en-US" dirty="0" smtClean="0">
-                <a:latin typeface="Times New Roman" panose="02020603050405020304" pitchFamily="18" charset="0"/>
-                <a:cs typeface="Times New Roman" panose="02020603050405020304" pitchFamily="18" charset="0"/>
-              </a:rPr>
-              <a:t> </a:t>
-            </a:r>
-            <a:r>
-              <a:rPr lang="en-US" dirty="0" err="1" smtClean="0">
+              <a:rPr lang="en-US" dirty="0">
+                <a:latin typeface="Times New Roman" panose="02020603050405020304" pitchFamily="18" charset="0"/>
+                <a:cs typeface="Times New Roman" panose="02020603050405020304" pitchFamily="18" charset="0"/>
+              </a:rPr>
+              <a:t> </a:t>
+            </a:r>
+            <a:r>
+              <a:rPr lang="en-US" dirty="0" err="1">
                 <a:latin typeface="Times New Roman" panose="02020603050405020304" pitchFamily="18" charset="0"/>
                 <a:cs typeface="Times New Roman" panose="02020603050405020304" pitchFamily="18" charset="0"/>
               </a:rPr>
               <a:t>đang</a:t>
             </a:r>
             <a:r>
-              <a:rPr lang="en-US" dirty="0" smtClean="0">
-                <a:latin typeface="Times New Roman" panose="02020603050405020304" pitchFamily="18" charset="0"/>
-                <a:cs typeface="Times New Roman" panose="02020603050405020304" pitchFamily="18" charset="0"/>
-              </a:rPr>
-              <a:t> </a:t>
-            </a:r>
-            <a:r>
-              <a:rPr lang="en-US" dirty="0" err="1" smtClean="0">
+              <a:rPr lang="en-US" dirty="0">
+                <a:latin typeface="Times New Roman" panose="02020603050405020304" pitchFamily="18" charset="0"/>
+                <a:cs typeface="Times New Roman" panose="02020603050405020304" pitchFamily="18" charset="0"/>
+              </a:rPr>
+              <a:t> </a:t>
+            </a:r>
+            <a:r>
+              <a:rPr lang="en-US" dirty="0" err="1">
                 <a:latin typeface="Times New Roman" panose="02020603050405020304" pitchFamily="18" charset="0"/>
                 <a:cs typeface="Times New Roman" panose="02020603050405020304" pitchFamily="18" charset="0"/>
               </a:rPr>
               <a:t>lái</a:t>
             </a:r>
             <a:r>
-              <a:rPr lang="en-US" dirty="0" smtClean="0">
-                <a:latin typeface="Times New Roman" panose="02020603050405020304" pitchFamily="18" charset="0"/>
-                <a:cs typeface="Times New Roman" panose="02020603050405020304" pitchFamily="18" charset="0"/>
-              </a:rPr>
-              <a:t> </a:t>
-            </a:r>
-            <a:r>
-              <a:rPr lang="en-US" dirty="0" err="1" smtClean="0">
+              <a:rPr lang="en-US" dirty="0">
+                <a:latin typeface="Times New Roman" panose="02020603050405020304" pitchFamily="18" charset="0"/>
+                <a:cs typeface="Times New Roman" panose="02020603050405020304" pitchFamily="18" charset="0"/>
+              </a:rPr>
+              <a:t> </a:t>
+            </a:r>
+            <a:r>
+              <a:rPr lang="en-US" dirty="0" err="1">
                 <a:latin typeface="Times New Roman" panose="02020603050405020304" pitchFamily="18" charset="0"/>
                 <a:cs typeface="Times New Roman" panose="02020603050405020304" pitchFamily="18" charset="0"/>
               </a:rPr>
@@ -21121,14 +21168,14 @@
               <a:t> di </a:t>
             </a:r>
             <a:r>
-              <a:rPr lang="en-US" kern="1400" dirty="0" err="1" smtClean="0">
+              <a:rPr lang="en-US" kern="1400" dirty="0" err="1">
                 <a:latin typeface="Times New Roman" panose="02020603050405020304" pitchFamily="18" charset="0"/>
                 <a:ea typeface="Calibri" panose="020F0502020204030204" pitchFamily="34" charset="0"/>
               </a:rPr>
               <a:t>động</a:t>
             </a:r>
             <a:r>
-              <a:rPr lang="en-US" kern="1400" dirty="0" smtClean="0">
+              <a:rPr lang="en-US" kern="1400" dirty="0">
                 <a:latin typeface="Times New Roman" panose="02020603050405020304" pitchFamily="18" charset="0"/>
                 <a:ea typeface="Calibri" panose="020F0502020204030204" pitchFamily="34" charset="0"/>
               </a:rPr>
@@ -21145,16 +21192,9 @@
                 <a:latin typeface="Times New Roman" panose="02020603050405020304" pitchFamily="18" charset="0"/>
                 <a:ea typeface="Calibri" panose="020F0502020204030204" pitchFamily="34" charset="0"/>
               </a:rPr>
-              <a:t>API sẵn sàng sử dụng của nó cho các trường hợp sử dụng di động phổ biến như nhận dạng văn bản, phát hiện khuôn mặt, xác định đặc điểm, quét mã vạch và dán nhãn hình ảnh</a:t>
-            </a:r>
-            <a:r>
-              <a:rPr lang="vi-VN" kern="1400" dirty="0" smtClean="0">
-                <a:latin typeface="Times New Roman" panose="02020603050405020304" pitchFamily="18" charset="0"/>
-                <a:ea typeface="Calibri" panose="020F0502020204030204" pitchFamily="34" charset="0"/>
-              </a:rPr>
-              <a:t>.</a:t>
-            </a:r>
-            <a:endParaRPr lang="en-US" kern="1400" dirty="0" smtClean="0">
+              <a:t>API sẵn sàng sử dụng của nó cho các trường hợp sử dụng di động phổ biến như nhận dạng văn bản, phát hiện khuôn mặt, xác định đặc điểm, quét mã vạch và dán nhãn hình ảnh.</a:t>
+            </a:r>
+            <a:endParaRPr lang="en-US" kern="1400" dirty="0">
               <a:latin typeface="Times New Roman" panose="02020603050405020304" pitchFamily="18" charset="0"/>
               <a:ea typeface="Calibri" panose="020F0502020204030204" pitchFamily="34" charset="0"/>
             </a:endParaRPr>
@@ -21165,14 +21205,14 @@
               <a:buChar char="Ø"/>
             </a:pPr>
             <a:r>
-              <a:rPr lang="en-US" kern="1400" dirty="0" err="1" smtClean="0">
+              <a:rPr lang="en-US" kern="1400" dirty="0" err="1">
                 <a:latin typeface="Times New Roman" panose="02020603050405020304" pitchFamily="18" charset="0"/>
                 <a:ea typeface="Calibri" panose="020F0502020204030204" pitchFamily="34" charset="0"/>
               </a:rPr>
               <a:t>Với</a:t>
             </a:r>
             <a:r>
-              <a:rPr lang="en-US" kern="1400" dirty="0" smtClean="0">
+              <a:rPr lang="en-US" kern="1400" dirty="0">
                 <a:latin typeface="Times New Roman" panose="02020603050405020304" pitchFamily="18" charset="0"/>
                 <a:ea typeface="Calibri" panose="020F0502020204030204" pitchFamily="34" charset="0"/>
               </a:rPr>
@@ -21731,20 +21771,12 @@
               <a:buChar char="Ø"/>
             </a:pPr>
             <a:r>
-              <a:rPr lang="en-US" sz="1800" kern="1400" dirty="0" smtClean="0">
-                <a:effectLst/>
-                <a:latin typeface="Times New Roman" panose="02020603050405020304" pitchFamily="18" charset="0"/>
-                <a:ea typeface="Calibri" panose="020F0502020204030204" pitchFamily="34" charset="0"/>
-              </a:rPr>
-              <a:t>ML </a:t>
-            </a:r>
-            <a:r>
-              <a:rPr lang="en-US" sz="1800" kern="1400" dirty="0">
-                <a:effectLst/>
-                <a:latin typeface="Times New Roman" panose="02020603050405020304" pitchFamily="18" charset="0"/>
-                <a:ea typeface="Calibri" panose="020F0502020204030204" pitchFamily="34" charset="0"/>
-              </a:rPr>
-              <a:t>Kit </a:t>
+              <a:rPr lang="en-US" sz="1800" kern="1400" dirty="0">
+                <a:effectLst/>
+                <a:latin typeface="Times New Roman" panose="02020603050405020304" pitchFamily="18" charset="0"/>
+                <a:ea typeface="Calibri" panose="020F0502020204030204" pitchFamily="34" charset="0"/>
+              </a:rPr>
+              <a:t>ML Kit </a:t>
             </a:r>
             <a:r>
               <a:rPr lang="en-US" sz="1800" kern="1400" dirty="0" err="1">
@@ -22387,7 +22419,7 @@
           <a:lstStyle/>
           <a:p>
             <a:r>
-              <a:rPr lang="en-US" sz="4000" dirty="0" err="1" smtClean="0">
+              <a:rPr lang="en-US" sz="4000" dirty="0" err="1">
                 <a:solidFill>
                   <a:srgbClr val="EAB200"/>
                 </a:solidFill>
@@ -22397,7 +22429,7 @@
               <a:t>Nhận</a:t>
             </a:r>
             <a:r>
-              <a:rPr lang="en-US" sz="4000" dirty="0" smtClean="0">
+              <a:rPr lang="en-US" sz="4000" dirty="0">
                 <a:solidFill>
                   <a:srgbClr val="EAB200"/>
                 </a:solidFill>
@@ -22407,7 +22439,7 @@
               <a:t> </a:t>
             </a:r>
             <a:r>
-              <a:rPr lang="en-US" sz="4000" dirty="0" err="1" smtClean="0">
+              <a:rPr lang="en-US" sz="4000" dirty="0" err="1">
                 <a:solidFill>
                   <a:srgbClr val="EAB200"/>
                 </a:solidFill>
@@ -22417,7 +22449,7 @@
               <a:t>diện</a:t>
             </a:r>
             <a:r>
-              <a:rPr lang="en-US" sz="4000" dirty="0" smtClean="0">
+              <a:rPr lang="en-US" sz="4000" dirty="0">
                 <a:solidFill>
                   <a:srgbClr val="EAB200"/>
                 </a:solidFill>
@@ -22427,7 +22459,7 @@
               <a:t> </a:t>
             </a:r>
             <a:r>
-              <a:rPr lang="en-US" sz="4000" dirty="0" err="1" smtClean="0">
+              <a:rPr lang="en-US" sz="4000" dirty="0" err="1">
                 <a:solidFill>
                   <a:srgbClr val="EAB200"/>
                 </a:solidFill>
@@ -22437,7 +22469,7 @@
               <a:t>khuôn</a:t>
             </a:r>
             <a:r>
-              <a:rPr lang="en-US" sz="4000" dirty="0" smtClean="0">
+              <a:rPr lang="en-US" sz="4000" dirty="0">
                 <a:solidFill>
                   <a:srgbClr val="EAB200"/>
                 </a:solidFill>
@@ -22447,7 +22479,7 @@
               <a:t> </a:t>
             </a:r>
             <a:r>
-              <a:rPr lang="en-US" sz="4000" dirty="0" err="1" smtClean="0">
+              <a:rPr lang="en-US" sz="4000" dirty="0" err="1">
                 <a:solidFill>
                   <a:srgbClr val="EAB200"/>
                 </a:solidFill>
@@ -22457,7 +22489,7 @@
               <a:t>mặt</a:t>
             </a:r>
             <a:r>
-              <a:rPr lang="en-US" sz="4000" dirty="0" smtClean="0">
+              <a:rPr lang="en-US" sz="4000" dirty="0">
                 <a:solidFill>
                   <a:srgbClr val="EAB200"/>
                 </a:solidFill>
@@ -22467,7 +22499,7 @@
               <a:t> </a:t>
             </a:r>
             <a:r>
-              <a:rPr lang="en-US" sz="4000" dirty="0" err="1" smtClean="0">
+              <a:rPr lang="en-US" sz="4000" dirty="0" err="1">
                 <a:solidFill>
                   <a:srgbClr val="EAB200"/>
                 </a:solidFill>
@@ -22477,24 +22509,14 @@
               <a:t>trong</a:t>
             </a:r>
             <a:r>
-              <a:rPr lang="en-US" sz="4000" dirty="0" smtClean="0">
+              <a:rPr lang="en-US" sz="4000" dirty="0">
                 <a:solidFill>
                   <a:srgbClr val="EAB200"/>
                 </a:solidFill>
                 <a:latin typeface="Times New Roman" panose="02020603050405020304" pitchFamily="18" charset="0"/>
                 <a:cs typeface="Times New Roman" panose="02020603050405020304" pitchFamily="18" charset="0"/>
               </a:rPr>
-              <a:t> ML </a:t>
-            </a:r>
-            <a:r>
-              <a:rPr lang="en-US" sz="4000" dirty="0">
-                <a:solidFill>
-                  <a:srgbClr val="EAB200"/>
-                </a:solidFill>
-                <a:latin typeface="Times New Roman" panose="02020603050405020304" pitchFamily="18" charset="0"/>
-                <a:cs typeface="Times New Roman" panose="02020603050405020304" pitchFamily="18" charset="0"/>
-              </a:rPr>
-              <a:t>kit</a:t>
+              <a:t> ML kit</a:t>
             </a:r>
             <a:endParaRPr lang="vi-VN" sz="4000" dirty="0">
               <a:solidFill>
@@ -22616,16 +22638,9 @@
                 <a:latin typeface="Times New Roman" panose="02020603050405020304" pitchFamily="18" charset="0"/>
                 <a:ea typeface="Calibri" panose="020F0502020204030204" pitchFamily="34" charset="0"/>
               </a:rPr>
-              <a:t>Lấy đường nét của khuôn mặt được phát hiện và các đặc điểm khuôn mặt của họ</a:t>
-            </a:r>
-            <a:r>
-              <a:rPr lang="vi-VN" kern="1400" dirty="0" smtClean="0">
-                <a:latin typeface="Times New Roman" panose="02020603050405020304" pitchFamily="18" charset="0"/>
-                <a:ea typeface="Calibri" panose="020F0502020204030204" pitchFamily="34" charset="0"/>
-              </a:rPr>
-              <a:t>.</a:t>
-            </a:r>
-            <a:endParaRPr lang="en-US" kern="1400" dirty="0" smtClean="0">
+              <a:t>Lấy đường nét của khuôn mặt được phát hiện và các đặc điểm khuôn mặt của họ.</a:t>
+            </a:r>
+            <a:endParaRPr lang="en-US" kern="1400" dirty="0">
               <a:latin typeface="Times New Roman" panose="02020603050405020304" pitchFamily="18" charset="0"/>
               <a:ea typeface="Calibri" panose="020F0502020204030204" pitchFamily="34" charset="0"/>
             </a:endParaRPr>
@@ -22681,7 +22696,7 @@
           <a:graphicData uri="http://schemas.openxmlformats.org/presentationml/2006/ole">
             <mc:AlternateContent xmlns:mc="http://schemas.openxmlformats.org/markup-compatibility/2006">
               <mc:Choice xmlns:v="urn:schemas-microsoft-com:vml" Requires="v">
-                <p:oleObj spid="_x0000_s1030" name="Bitmap Image" r:id="rId3" imgW="3459600" imgH="4671000" progId="Paint.Picture">
+                <p:oleObj spid="_x0000_s1031" name="Bitmap Image" r:id="rId3" imgW="3459600" imgH="4671000" progId="Paint.Picture">
                   <p:embed/>
                 </p:oleObj>
               </mc:Choice>
